--- a/Final_Project_Report_amazon_sale_data_analytics.pptx
+++ b/Final_Project_Report_amazon_sale_data_analytics.pptx
@@ -2073,7 +2073,7 @@
             <a:fld id="{5923F103-BC34-4FE4-A40E-EDDEECFDA5D0}" type="datetimeFigureOut">
               <a:rPr lang="en-US" smtClean="0"/>
               <a:pPr/>
-              <a:t>2/6/2023</a:t>
+              <a:t>10/14/2024</a:t>
             </a:fld>
             <a:endParaRPr lang="en-US" dirty="0"/>
           </a:p>
@@ -2384,7 +2384,7 @@
           <a:p>
             <a:fld id="{2BE451C3-0FF4-47C4-B829-773ADF60F88C}" type="datetimeFigureOut">
               <a:rPr lang="en-US" smtClean="0"/>
-              <a:t>2/6/2023</a:t>
+              <a:t>10/14/2024</a:t>
             </a:fld>
             <a:endParaRPr lang="en-US" dirty="0"/>
           </a:p>
@@ -2647,7 +2647,7 @@
           <a:p>
             <a:fld id="{2BE451C3-0FF4-47C4-B829-773ADF60F88C}" type="datetimeFigureOut">
               <a:rPr lang="en-US" smtClean="0"/>
-              <a:t>2/6/2023</a:t>
+              <a:t>10/14/2024</a:t>
             </a:fld>
             <a:endParaRPr lang="en-US" dirty="0"/>
           </a:p>
@@ -3202,7 +3202,7 @@
           <a:p>
             <a:fld id="{2BE451C3-0FF4-47C4-B829-773ADF60F88C}" type="datetimeFigureOut">
               <a:rPr lang="en-US" smtClean="0"/>
-              <a:t>2/6/2023</a:t>
+              <a:t>10/14/2024</a:t>
             </a:fld>
             <a:endParaRPr lang="en-US" dirty="0"/>
           </a:p>
@@ -3465,7 +3465,7 @@
           <a:p>
             <a:fld id="{2BE451C3-0FF4-47C4-B829-773ADF60F88C}" type="datetimeFigureOut">
               <a:rPr lang="en-US" smtClean="0"/>
-              <a:t>2/6/2023</a:t>
+              <a:t>10/14/2024</a:t>
             </a:fld>
             <a:endParaRPr lang="en-US" dirty="0"/>
           </a:p>
@@ -4012,7 +4012,7 @@
           <a:p>
             <a:fld id="{2BE451C3-0FF4-47C4-B829-773ADF60F88C}" type="datetimeFigureOut">
               <a:rPr lang="en-US" smtClean="0"/>
-              <a:t>2/6/2023</a:t>
+              <a:t>10/14/2024</a:t>
             </a:fld>
             <a:endParaRPr lang="en-US" dirty="0"/>
           </a:p>
@@ -4324,7 +4324,7 @@
           <a:p>
             <a:fld id="{2BE451C3-0FF4-47C4-B829-773ADF60F88C}" type="datetimeFigureOut">
               <a:rPr lang="en-US" smtClean="0"/>
-              <a:t>2/6/2023</a:t>
+              <a:t>10/14/2024</a:t>
             </a:fld>
             <a:endParaRPr lang="en-US" dirty="0"/>
           </a:p>
@@ -4513,7 +4513,7 @@
           <a:p>
             <a:fld id="{53086D93-FCAC-47E0-A2EE-787E62CA814C}" type="datetimeFigureOut">
               <a:rPr lang="en-US" smtClean="0"/>
-              <a:t>2/6/2023</a:t>
+              <a:t>10/14/2024</a:t>
             </a:fld>
             <a:endParaRPr lang="en-US" dirty="0"/>
           </a:p>
@@ -4708,7 +4708,7 @@
           <a:p>
             <a:fld id="{CDA879A6-0FD0-4734-A311-86BFCA472E6E}" type="datetimeFigureOut">
               <a:rPr lang="en-US" smtClean="0"/>
-              <a:t>2/6/2023</a:t>
+              <a:t>10/14/2024</a:t>
             </a:fld>
             <a:endParaRPr lang="en-US" dirty="0"/>
           </a:p>
@@ -5260,7 +5260,7 @@
           <a:p>
             <a:fld id="{19C9CA7B-DFD4-44B5-8C60-D14B8CD1FB59}" type="datetimeFigureOut">
               <a:rPr lang="en-US" smtClean="0"/>
-              <a:t>2/6/2023</a:t>
+              <a:t>10/14/2024</a:t>
             </a:fld>
             <a:endParaRPr lang="en-US" dirty="0"/>
           </a:p>
@@ -5526,7 +5526,7 @@
           <a:p>
             <a:fld id="{F34E6425-0181-43F2-84FC-787E803FD2F8}" type="datetimeFigureOut">
               <a:rPr lang="en-US" smtClean="0"/>
-              <a:t>2/6/2023</a:t>
+              <a:t>10/14/2024</a:t>
             </a:fld>
             <a:endParaRPr lang="en-US" dirty="0"/>
           </a:p>
@@ -5838,7 +5838,7 @@
           <a:p>
             <a:fld id="{3BDB8791-F1B0-41E7-B7FD-A781E65C4266}" type="datetimeFigureOut">
               <a:rPr lang="en-US" smtClean="0"/>
-              <a:t>2/6/2023</a:t>
+              <a:t>10/14/2024</a:t>
             </a:fld>
             <a:endParaRPr lang="en-US" dirty="0"/>
           </a:p>
@@ -6295,7 +6295,7 @@
           <a:p>
             <a:fld id="{5FDD63B2-E120-4ED8-B27B-C685F510A5FE}" type="datetimeFigureOut">
               <a:rPr lang="en-US" smtClean="0"/>
-              <a:t>2/6/2023</a:t>
+              <a:t>10/14/2024</a:t>
             </a:fld>
             <a:endParaRPr lang="en-US" dirty="0"/>
           </a:p>
@@ -6428,7 +6428,7 @@
           <a:p>
             <a:fld id="{7AA18ACC-A947-437B-A130-35BD54FDF1E9}" type="datetimeFigureOut">
               <a:rPr lang="en-US" smtClean="0"/>
-              <a:t>2/6/2023</a:t>
+              <a:t>10/14/2024</a:t>
             </a:fld>
             <a:endParaRPr lang="en-US" dirty="0"/>
           </a:p>
@@ -6538,7 +6538,7 @@
           <a:p>
             <a:fld id="{7C8D7E02-BCB8-4D50-A234-369438C08659}" type="datetimeFigureOut">
               <a:rPr lang="en-US" smtClean="0"/>
-              <a:t>2/6/2023</a:t>
+              <a:t>10/14/2024</a:t>
             </a:fld>
             <a:endParaRPr lang="en-US" dirty="0"/>
           </a:p>
@@ -6835,7 +6835,7 @@
           <a:p>
             <a:fld id="{76E86A4C-8E40-4F87-A4F0-01A0687C5742}" type="datetimeFigureOut">
               <a:rPr lang="en-US" smtClean="0"/>
-              <a:t>2/6/2023</a:t>
+              <a:t>10/14/2024</a:t>
             </a:fld>
             <a:endParaRPr lang="en-US" dirty="0"/>
           </a:p>
@@ -7141,7 +7141,7 @@
           <a:p>
             <a:fld id="{35E72C73-2D91-4E12-BA25-F0AA0C03599B}" type="datetimeFigureOut">
               <a:rPr lang="en-US" smtClean="0"/>
-              <a:t>2/6/2023</a:t>
+              <a:t>10/14/2024</a:t>
             </a:fld>
             <a:endParaRPr lang="en-US" dirty="0"/>
           </a:p>
@@ -7686,7 +7686,7 @@
           <a:p>
             <a:fld id="{2BE451C3-0FF4-47C4-B829-773ADF60F88C}" type="datetimeFigureOut">
               <a:rPr lang="en-US" smtClean="0"/>
-              <a:t>2/6/2023</a:t>
+              <a:t>10/14/2024</a:t>
             </a:fld>
             <a:endParaRPr lang="en-US" dirty="0"/>
           </a:p>
@@ -8268,8 +8268,8 @@
               <a:buNone/>
             </a:pPr>
             <a:r>
-              <a:rPr lang="en-GB"/>
-              <a:t>Insurance Premium Prediction</a:t>
+              <a:rPr lang="en-GB" dirty="0"/>
+              <a:t>Amazon sales data analytics </a:t>
             </a:r>
             <a:endParaRPr dirty="0"/>
           </a:p>

--- a/Final_Project_Report_amazon_sale_data_analytics.pptx
+++ b/Final_Project_Report_amazon_sale_data_analytics.pptx
@@ -5,7 +5,7 @@
     <p:sldMasterId id="2147483736" r:id="rId1"/>
   </p:sldMasterIdLst>
   <p:notesMasterIdLst>
-    <p:notesMasterId r:id="rId11"/>
+    <p:notesMasterId r:id="rId12"/>
   </p:notesMasterIdLst>
   <p:sldIdLst>
     <p:sldId id="256" r:id="rId2"/>
@@ -13,20 +13,21 @@
     <p:sldId id="258" r:id="rId4"/>
     <p:sldId id="259" r:id="rId5"/>
     <p:sldId id="260" r:id="rId6"/>
-    <p:sldId id="261" r:id="rId7"/>
-    <p:sldId id="262" r:id="rId8"/>
-    <p:sldId id="263" r:id="rId9"/>
-    <p:sldId id="264" r:id="rId10"/>
+    <p:sldId id="265" r:id="rId7"/>
+    <p:sldId id="261" r:id="rId8"/>
+    <p:sldId id="262" r:id="rId9"/>
+    <p:sldId id="263" r:id="rId10"/>
+    <p:sldId id="264" r:id="rId11"/>
   </p:sldIdLst>
   <p:sldSz cx="9144000" cy="5143500" type="screen16x9"/>
   <p:notesSz cx="6858000" cy="9144000"/>
   <p:embeddedFontLst>
     <p:embeddedFont>
       <p:font typeface="Corbel" panose="020B0503020204020204" pitchFamily="34" charset="0"/>
-      <p:regular r:id="rId12"/>
-      <p:bold r:id="rId13"/>
-      <p:italic r:id="rId14"/>
-      <p:boldItalic r:id="rId15"/>
+      <p:regular r:id="rId13"/>
+      <p:bold r:id="rId14"/>
+      <p:italic r:id="rId15"/>
+      <p:boldItalic r:id="rId16"/>
     </p:embeddedFont>
   </p:embeddedFontLst>
   <p:defaultTextStyle>
@@ -698,12 +699,12 @@
 </p:notes>
 </file>
 
-<file path=ppt/notesSlides/notesSlide2.xml><?xml version="1.0" encoding="utf-8"?>
+<file path=ppt/notesSlides/notesSlide10.xml><?xml version="1.0" encoding="utf-8"?>
 <p:notes xmlns:a="http://schemas.openxmlformats.org/drawingml/2006/main" xmlns:r="http://schemas.openxmlformats.org/officeDocument/2006/relationships" xmlns:p="http://schemas.openxmlformats.org/presentationml/2006/main" showMasterSp="0" showMasterPhAnim="0">
   <p:cSld>
     <p:spTree>
       <p:nvGrpSpPr>
-        <p:cNvPr id="1" name="Shape 137"/>
+        <p:cNvPr id="1" name="Shape 179"/>
         <p:cNvGrpSpPr/>
         <p:nvPr/>
       </p:nvGrpSpPr>
@@ -717,7 +718,7 @@
       </p:grpSpPr>
       <p:sp>
         <p:nvSpPr>
-          <p:cNvPr id="138" name="Google Shape;138;g1c0dc703bc5_0_125:notes"/>
+          <p:cNvPr id="180" name="Google Shape;180;g1c0dc703bc5_0_171:notes"/>
           <p:cNvSpPr>
             <a:spLocks noGrp="1" noRot="1" noChangeAspect="1"/>
           </p:cNvSpPr>
@@ -758,6 +759,115 @@
       </p:sp>
       <p:sp>
         <p:nvSpPr>
+          <p:cNvPr id="181" name="Google Shape;181;g1c0dc703bc5_0_171:notes"/>
+          <p:cNvSpPr txBox="1">
+            <a:spLocks noGrp="1"/>
+          </p:cNvSpPr>
+          <p:nvPr>
+            <p:ph type="body" idx="1"/>
+          </p:nvPr>
+        </p:nvSpPr>
+        <p:spPr>
+          <a:xfrm>
+            <a:off x="685800" y="4343400"/>
+            <a:ext cx="5486400" cy="4114800"/>
+          </a:xfrm>
+          <a:prstGeom prst="rect">
+            <a:avLst/>
+          </a:prstGeom>
+        </p:spPr>
+        <p:txBody>
+          <a:bodyPr spcFirstLastPara="1" wrap="square" lIns="91425" tIns="91425" rIns="91425" bIns="91425" anchor="t" anchorCtr="0">
+            <a:noAutofit/>
+          </a:bodyPr>
+          <a:lstStyle/>
+          <a:p>
+            <a:pPr marL="0" lvl="0" indent="0" algn="l" rtl="0">
+              <a:spcBef>
+                <a:spcPts val="0"/>
+              </a:spcBef>
+              <a:spcAft>
+                <a:spcPts val="0"/>
+              </a:spcAft>
+              <a:buNone/>
+            </a:pPr>
+            <a:endParaRPr/>
+          </a:p>
+        </p:txBody>
+      </p:sp>
+    </p:spTree>
+    <p:extLst>
+      <p:ext uri="{BB962C8B-B14F-4D97-AF65-F5344CB8AC3E}">
+        <p14:creationId xmlns:p14="http://schemas.microsoft.com/office/powerpoint/2010/main" val="3118627418"/>
+      </p:ext>
+    </p:extLst>
+  </p:cSld>
+  <p:clrMapOvr>
+    <a:masterClrMapping/>
+  </p:clrMapOvr>
+</p:notes>
+</file>
+
+<file path=ppt/notesSlides/notesSlide2.xml><?xml version="1.0" encoding="utf-8"?>
+<p:notes xmlns:a="http://schemas.openxmlformats.org/drawingml/2006/main" xmlns:r="http://schemas.openxmlformats.org/officeDocument/2006/relationships" xmlns:p="http://schemas.openxmlformats.org/presentationml/2006/main" showMasterSp="0" showMasterPhAnim="0">
+  <p:cSld>
+    <p:spTree>
+      <p:nvGrpSpPr>
+        <p:cNvPr id="1" name="Shape 137"/>
+        <p:cNvGrpSpPr/>
+        <p:nvPr/>
+      </p:nvGrpSpPr>
+      <p:grpSpPr>
+        <a:xfrm>
+          <a:off x="0" y="0"/>
+          <a:ext cx="0" cy="0"/>
+          <a:chOff x="0" y="0"/>
+          <a:chExt cx="0" cy="0"/>
+        </a:xfrm>
+      </p:grpSpPr>
+      <p:sp>
+        <p:nvSpPr>
+          <p:cNvPr id="138" name="Google Shape;138;g1c0dc703bc5_0_125:notes"/>
+          <p:cNvSpPr>
+            <a:spLocks noGrp="1" noRot="1" noChangeAspect="1"/>
+          </p:cNvSpPr>
+          <p:nvPr>
+            <p:ph type="sldImg" idx="2"/>
+          </p:nvPr>
+        </p:nvSpPr>
+        <p:spPr>
+          <a:xfrm>
+            <a:off x="381000" y="685800"/>
+            <a:ext cx="6096000" cy="3429000"/>
+          </a:xfrm>
+          <a:custGeom>
+            <a:avLst/>
+            <a:gdLst/>
+            <a:ahLst/>
+            <a:cxnLst/>
+            <a:rect l="l" t="t" r="r" b="b"/>
+            <a:pathLst>
+              <a:path w="120000" h="120000" extrusionOk="0">
+                <a:moveTo>
+                  <a:pt x="0" y="0"/>
+                </a:moveTo>
+                <a:lnTo>
+                  <a:pt x="120000" y="0"/>
+                </a:lnTo>
+                <a:lnTo>
+                  <a:pt x="120000" y="120000"/>
+                </a:lnTo>
+                <a:lnTo>
+                  <a:pt x="0" y="120000"/>
+                </a:lnTo>
+                <a:close/>
+              </a:path>
+            </a:pathLst>
+          </a:custGeom>
+        </p:spPr>
+      </p:sp>
+      <p:sp>
+        <p:nvSpPr>
           <p:cNvPr id="139" name="Google Shape;139;g1c0dc703bc5_0_125:notes"/>
           <p:cNvSpPr txBox="1">
             <a:spLocks noGrp="1"/>
@@ -1139,7 +1249,13 @@
   <p:cSld>
     <p:spTree>
       <p:nvGrpSpPr>
-        <p:cNvPr id="1" name="Shape 161"/>
+        <p:cNvPr id="1" name="Shape 155">
+          <a:extLst>
+            <a:ext uri="{FF2B5EF4-FFF2-40B4-BE49-F238E27FC236}">
+              <a16:creationId xmlns:a16="http://schemas.microsoft.com/office/drawing/2014/main" id="{B18DADEC-AD63-D125-395F-9D0BACB49449}"/>
+            </a:ext>
+          </a:extLst>
+        </p:cNvPr>
         <p:cNvGrpSpPr/>
         <p:nvPr/>
       </p:nvGrpSpPr>
@@ -1153,7 +1269,13 @@
       </p:grpSpPr>
       <p:sp>
         <p:nvSpPr>
-          <p:cNvPr id="162" name="Google Shape;162;g1c0dc703bc5_0_161:notes"/>
+          <p:cNvPr id="156" name="Google Shape;156;g1c0dc703bc5_0_140:notes">
+            <a:extLst>
+              <a:ext uri="{FF2B5EF4-FFF2-40B4-BE49-F238E27FC236}">
+                <a16:creationId xmlns:a16="http://schemas.microsoft.com/office/drawing/2014/main" id="{FCE2F060-FBDB-BC03-F1DF-34BAE4546B4F}"/>
+              </a:ext>
+            </a:extLst>
+          </p:cNvPr>
           <p:cNvSpPr>
             <a:spLocks noGrp="1" noRot="1" noChangeAspect="1"/>
           </p:cNvSpPr>
@@ -1194,7 +1316,13 @@
       </p:sp>
       <p:sp>
         <p:nvSpPr>
-          <p:cNvPr id="163" name="Google Shape;163;g1c0dc703bc5_0_161:notes"/>
+          <p:cNvPr id="157" name="Google Shape;157;g1c0dc703bc5_0_140:notes">
+            <a:extLst>
+              <a:ext uri="{FF2B5EF4-FFF2-40B4-BE49-F238E27FC236}">
+                <a16:creationId xmlns:a16="http://schemas.microsoft.com/office/drawing/2014/main" id="{E56AA508-D002-E6CD-55D8-86FC13E8A655}"/>
+              </a:ext>
+            </a:extLst>
+          </p:cNvPr>
           <p:cNvSpPr txBox="1">
             <a:spLocks noGrp="1"/>
           </p:cNvSpPr>
@@ -1233,7 +1361,7 @@
     </p:spTree>
     <p:extLst>
       <p:ext uri="{BB962C8B-B14F-4D97-AF65-F5344CB8AC3E}">
-        <p14:creationId xmlns:p14="http://schemas.microsoft.com/office/powerpoint/2010/main" val="2965550995"/>
+        <p14:creationId xmlns:p14="http://schemas.microsoft.com/office/powerpoint/2010/main" val="333123761"/>
       </p:ext>
     </p:extLst>
   </p:cSld>
@@ -1248,7 +1376,7 @@
   <p:cSld>
     <p:spTree>
       <p:nvGrpSpPr>
-        <p:cNvPr id="1" name="Shape 167"/>
+        <p:cNvPr id="1" name="Shape 161"/>
         <p:cNvGrpSpPr/>
         <p:nvPr/>
       </p:nvGrpSpPr>
@@ -1262,7 +1390,7 @@
       </p:grpSpPr>
       <p:sp>
         <p:nvSpPr>
-          <p:cNvPr id="168" name="Google Shape;168;g1c19668e30d_0_4:notes"/>
+          <p:cNvPr id="162" name="Google Shape;162;g1c0dc703bc5_0_161:notes"/>
           <p:cNvSpPr>
             <a:spLocks noGrp="1" noRot="1" noChangeAspect="1"/>
           </p:cNvSpPr>
@@ -1303,7 +1431,7 @@
       </p:sp>
       <p:sp>
         <p:nvSpPr>
-          <p:cNvPr id="169" name="Google Shape;169;g1c19668e30d_0_4:notes"/>
+          <p:cNvPr id="163" name="Google Shape;163;g1c0dc703bc5_0_161:notes"/>
           <p:cNvSpPr txBox="1">
             <a:spLocks noGrp="1"/>
           </p:cNvSpPr>
@@ -1342,7 +1470,7 @@
     </p:spTree>
     <p:extLst>
       <p:ext uri="{BB962C8B-B14F-4D97-AF65-F5344CB8AC3E}">
-        <p14:creationId xmlns:p14="http://schemas.microsoft.com/office/powerpoint/2010/main" val="3080463495"/>
+        <p14:creationId xmlns:p14="http://schemas.microsoft.com/office/powerpoint/2010/main" val="2965550995"/>
       </p:ext>
     </p:extLst>
   </p:cSld>
@@ -1357,7 +1485,7 @@
   <p:cSld>
     <p:spTree>
       <p:nvGrpSpPr>
-        <p:cNvPr id="1" name="Shape 173"/>
+        <p:cNvPr id="1" name="Shape 167"/>
         <p:cNvGrpSpPr/>
         <p:nvPr/>
       </p:nvGrpSpPr>
@@ -1371,7 +1499,7 @@
       </p:grpSpPr>
       <p:sp>
         <p:nvSpPr>
-          <p:cNvPr id="174" name="Google Shape;174;g1c0dc703bc5_0_166:notes"/>
+          <p:cNvPr id="168" name="Google Shape;168;g1c19668e30d_0_4:notes"/>
           <p:cNvSpPr>
             <a:spLocks noGrp="1" noRot="1" noChangeAspect="1"/>
           </p:cNvSpPr>
@@ -1412,7 +1540,7 @@
       </p:sp>
       <p:sp>
         <p:nvSpPr>
-          <p:cNvPr id="175" name="Google Shape;175;g1c0dc703bc5_0_166:notes"/>
+          <p:cNvPr id="169" name="Google Shape;169;g1c19668e30d_0_4:notes"/>
           <p:cNvSpPr txBox="1">
             <a:spLocks noGrp="1"/>
           </p:cNvSpPr>
@@ -1451,7 +1579,7 @@
     </p:spTree>
     <p:extLst>
       <p:ext uri="{BB962C8B-B14F-4D97-AF65-F5344CB8AC3E}">
-        <p14:creationId xmlns:p14="http://schemas.microsoft.com/office/powerpoint/2010/main" val="2799146733"/>
+        <p14:creationId xmlns:p14="http://schemas.microsoft.com/office/powerpoint/2010/main" val="3080463495"/>
       </p:ext>
     </p:extLst>
   </p:cSld>
@@ -1466,7 +1594,7 @@
   <p:cSld>
     <p:spTree>
       <p:nvGrpSpPr>
-        <p:cNvPr id="1" name="Shape 179"/>
+        <p:cNvPr id="1" name="Shape 173"/>
         <p:cNvGrpSpPr/>
         <p:nvPr/>
       </p:nvGrpSpPr>
@@ -1480,7 +1608,7 @@
       </p:grpSpPr>
       <p:sp>
         <p:nvSpPr>
-          <p:cNvPr id="180" name="Google Shape;180;g1c0dc703bc5_0_171:notes"/>
+          <p:cNvPr id="174" name="Google Shape;174;g1c0dc703bc5_0_166:notes"/>
           <p:cNvSpPr>
             <a:spLocks noGrp="1" noRot="1" noChangeAspect="1"/>
           </p:cNvSpPr>
@@ -1521,7 +1649,7 @@
       </p:sp>
       <p:sp>
         <p:nvSpPr>
-          <p:cNvPr id="181" name="Google Shape;181;g1c0dc703bc5_0_171:notes"/>
+          <p:cNvPr id="175" name="Google Shape;175;g1c0dc703bc5_0_166:notes"/>
           <p:cNvSpPr txBox="1">
             <a:spLocks noGrp="1"/>
           </p:cNvSpPr>
@@ -1560,7 +1688,7 @@
     </p:spTree>
     <p:extLst>
       <p:ext uri="{BB962C8B-B14F-4D97-AF65-F5344CB8AC3E}">
-        <p14:creationId xmlns:p14="http://schemas.microsoft.com/office/powerpoint/2010/main" val="3118627418"/>
+        <p14:creationId xmlns:p14="http://schemas.microsoft.com/office/powerpoint/2010/main" val="2799146733"/>
       </p:ext>
     </p:extLst>
   </p:cSld>
@@ -8383,6 +8511,73 @@
 </p:sld>
 </file>
 
+<file path=ppt/slides/slide10.xml><?xml version="1.0" encoding="utf-8"?>
+<p:sld xmlns:a="http://schemas.openxmlformats.org/drawingml/2006/main" xmlns:r="http://schemas.openxmlformats.org/officeDocument/2006/relationships" xmlns:p="http://schemas.openxmlformats.org/presentationml/2006/main">
+  <p:cSld>
+    <p:spTree>
+      <p:nvGrpSpPr>
+        <p:cNvPr id="1" name="Shape 182"/>
+        <p:cNvGrpSpPr/>
+        <p:nvPr/>
+      </p:nvGrpSpPr>
+      <p:grpSpPr>
+        <a:xfrm>
+          <a:off x="0" y="0"/>
+          <a:ext cx="0" cy="0"/>
+          <a:chOff x="0" y="0"/>
+          <a:chExt cx="0" cy="0"/>
+        </a:xfrm>
+      </p:grpSpPr>
+      <p:sp>
+        <p:nvSpPr>
+          <p:cNvPr id="183" name="Google Shape;183;p21"/>
+          <p:cNvSpPr txBox="1">
+            <a:spLocks noGrp="1"/>
+          </p:cNvSpPr>
+          <p:nvPr>
+            <p:ph type="title"/>
+          </p:nvPr>
+        </p:nvSpPr>
+        <p:spPr>
+          <a:xfrm>
+            <a:off x="3634350" y="2114700"/>
+            <a:ext cx="2119178" cy="914100"/>
+          </a:xfrm>
+          <a:prstGeom prst="rect">
+            <a:avLst/>
+          </a:prstGeom>
+        </p:spPr>
+        <p:txBody>
+          <a:bodyPr spcFirstLastPara="1" wrap="square" lIns="91425" tIns="91425" rIns="91425" bIns="91425" anchor="t" anchorCtr="0">
+            <a:normAutofit/>
+          </a:bodyPr>
+          <a:lstStyle/>
+          <a:p>
+            <a:pPr marL="0" lvl="0" indent="0" algn="l" rtl="0">
+              <a:spcBef>
+                <a:spcPts val="0"/>
+              </a:spcBef>
+              <a:spcAft>
+                <a:spcPts val="0"/>
+              </a:spcAft>
+              <a:buNone/>
+            </a:pPr>
+            <a:r>
+              <a:rPr lang="en-GB"/>
+              <a:t>THANK YOU</a:t>
+            </a:r>
+            <a:endParaRPr dirty="0"/>
+          </a:p>
+        </p:txBody>
+      </p:sp>
+    </p:spTree>
+  </p:cSld>
+  <p:clrMapOvr>
+    <a:masterClrMapping/>
+  </p:clrMapOvr>
+</p:sld>
+</file>
+
 <file path=ppt/slides/slide2.xml><?xml version="1.0" encoding="utf-8"?>
 <p:sld xmlns:a="http://schemas.openxmlformats.org/drawingml/2006/main" xmlns:r="http://schemas.openxmlformats.org/officeDocument/2006/relationships" xmlns:p="http://schemas.openxmlformats.org/presentationml/2006/main">
   <p:cSld>
@@ -8450,8 +8645,8 @@
         </p:nvSpPr>
         <p:spPr>
           <a:xfrm>
-            <a:off x="1297500" y="1206874"/>
-            <a:ext cx="7280400" cy="3218821"/>
+            <a:off x="1297500" y="1018478"/>
+            <a:ext cx="7280400" cy="3407217"/>
           </a:xfrm>
           <a:prstGeom prst="rect">
             <a:avLst/>
@@ -8474,7 +8669,7 @@
             </a:pPr>
             <a:r>
               <a:rPr lang="en-US" sz="5600" dirty="0"/>
-              <a:t>Health insurance companies sometimes exploit customers by offering plans that appear to be comprehensive and affordable, but may have hidden costs or restrictions that limit the coverage and benefits provided. This can lead to individuals being surprised by unexpected medical bills or having their claims denied for services that they believed were covered by their insurance. Other practices that can exploit customers include fine-print exclusions, misleading marketing materials, and complicated billing procedures that make it difficult for consumers to understand the true cost of their coverage. It is important for individuals to carefully review the terms and conditions of their health insurance plan and to ask questions if they are unclear about their coverage or the cost of services.</a:t>
+              <a:t>In today's highly competitive business landscape, effective sales management has become crucial for organizations aiming to optimize distribution methods, minimize costs, and enhance profitability. With the exponential growth of e-commerce platforms like Amazon, analyzing sales data has emerged as a pivotal strategy for understanding consumer behavior, identifying market trends, and making informed decisions.</a:t>
             </a:r>
           </a:p>
           <a:p>
@@ -8487,6 +8682,88 @@
               </a:spcAft>
               <a:buNone/>
             </a:pPr>
+            <a:endParaRPr lang="en-US" sz="5600" dirty="0"/>
+          </a:p>
+          <a:p>
+            <a:pPr marL="0" lvl="0" indent="0" algn="l" rtl="0">
+              <a:spcBef>
+                <a:spcPts val="0"/>
+              </a:spcBef>
+              <a:spcAft>
+                <a:spcPts val="0"/>
+              </a:spcAft>
+              <a:buNone/>
+            </a:pPr>
+            <a:r>
+              <a:rPr lang="en-US" sz="5600" dirty="0"/>
+              <a:t>This project aims to perform an ETL (Extract-Transform-Load) analysis on an Amazon sales dataset to uncover valuable insights related to sales trends. The focus will be on analyzing sales data on a month-wise and year-wise basis, as well as a detailed </a:t>
+            </a:r>
+            <a:r>
+              <a:rPr lang="en-US" sz="5600" dirty="0" err="1"/>
+              <a:t>yearly_monthly</a:t>
+            </a:r>
+            <a:r>
+              <a:rPr lang="en-US" sz="5600" dirty="0"/>
+              <a:t> analysis. By transforming raw sales data into a structured format, we will extract meaningful metrics and relationships among various attributes that influence sales performance.</a:t>
+            </a:r>
+          </a:p>
+          <a:p>
+            <a:pPr marL="0" lvl="0" indent="0" algn="l" rtl="0">
+              <a:spcBef>
+                <a:spcPts val="0"/>
+              </a:spcBef>
+              <a:spcAft>
+                <a:spcPts val="0"/>
+              </a:spcAft>
+              <a:buNone/>
+            </a:pPr>
+            <a:endParaRPr lang="en-US" sz="5600" dirty="0"/>
+          </a:p>
+          <a:p>
+            <a:pPr marL="0" lvl="0" indent="0" algn="l" rtl="0">
+              <a:spcBef>
+                <a:spcPts val="0"/>
+              </a:spcBef>
+              <a:spcAft>
+                <a:spcPts val="0"/>
+              </a:spcAft>
+              <a:buNone/>
+            </a:pPr>
+            <a:r>
+              <a:rPr lang="en-US" sz="5600" dirty="0"/>
+              <a:t>By understanding sales trends and identifying key factors that drive performance, businesses can refine their sales strategies, enhance customer targeting, and optimize inventory management. The insights derived from this analysis will empower stakeholders to make data-driven decisions, ultimately contributing to improved sales outcomes and sustained competitive advantage in the </a:t>
+            </a:r>
+            <a:r>
+              <a:rPr lang="en-US" sz="5600" dirty="0" err="1"/>
+              <a:t>marketplace.This</a:t>
+            </a:r>
+            <a:r>
+              <a:rPr lang="en-US" sz="5600" dirty="0"/>
+              <a:t> project will leverage advanced analytical techniques and tools to provide a comprehensive overview of Amazon's sales dynamics, offering actionable insights for sales management and strategic planning.</a:t>
+            </a:r>
+          </a:p>
+          <a:p>
+            <a:pPr marL="0" lvl="0" indent="0" algn="l" rtl="0">
+              <a:spcBef>
+                <a:spcPts val="0"/>
+              </a:spcBef>
+              <a:spcAft>
+                <a:spcPts val="0"/>
+              </a:spcAft>
+              <a:buNone/>
+            </a:pPr>
+            <a:endParaRPr lang="en-US" sz="5600" dirty="0"/>
+          </a:p>
+          <a:p>
+            <a:pPr marL="0" lvl="0" indent="0" algn="l" rtl="0">
+              <a:spcBef>
+                <a:spcPts val="0"/>
+              </a:spcBef>
+              <a:spcAft>
+                <a:spcPts val="0"/>
+              </a:spcAft>
+              <a:buNone/>
+            </a:pPr>
             <a:r>
               <a:rPr lang="en-US" sz="5600" dirty="0"/>
               <a:t> </a:t>
@@ -8504,7 +8781,7 @@
             </a:pPr>
             <a:r>
               <a:rPr lang="en-US" sz="5600" dirty="0"/>
-              <a:t>An effective approach to solving the problem of estimating healthcare costs based on individual health conditions can be achieved through the use of machine learning algorithms. By training a model on relevant health and cost data, it can learn to predict the cost of healthcare services for a given individual based on their health situation. This can provide valuable insight for individuals when selecting a health insurance plan, allowing them to focus on the coverage and benefits that best meet their needs while considering their projected costs. The machine learning algorithm can also continuously improve its predictions over time as it is fed more data, leading to more accurate cost estimates for individuals in the future.</a:t>
+              <a:t>.</a:t>
             </a:r>
           </a:p>
         </p:txBody>
@@ -8565,10 +8842,10 @@
               <a:buNone/>
             </a:pPr>
             <a:r>
-              <a:rPr lang="en-GB"/>
-              <a:t>DATA ANALYSIS</a:t>
-            </a:r>
-            <a:endParaRPr/>
+              <a:rPr lang="en-IN" dirty="0"/>
+              <a:t>Extract-Transform-Load</a:t>
+            </a:r>
+            <a:endParaRPr dirty="0"/>
           </a:p>
         </p:txBody>
       </p:sp>
@@ -8593,7 +8870,7 @@
         </p:spPr>
         <p:txBody>
           <a:bodyPr spcFirstLastPara="1" wrap="square" lIns="91425" tIns="91425" rIns="91425" bIns="91425" anchor="t" anchorCtr="0">
-            <a:normAutofit fontScale="32500" lnSpcReduction="20000"/>
+            <a:normAutofit/>
           </a:bodyPr>
           <a:lstStyle/>
           <a:p>
@@ -8607,8 +8884,8 @@
               <a:buNone/>
             </a:pPr>
             <a:r>
-              <a:rPr lang="en-US" sz="5600" dirty="0"/>
-              <a:t>In Data Analysis, the various trends in the dataset exhibited by the numerous features were visualized and examined. The where no occurrence of any null values in the dataset. In addition, possible reasons were also hypothesized. For instance, for the ‘Smoker’ column, it was found that the premium expenses of the smokers where 5 times more than that of non-smokers. </a:t>
+              <a:rPr lang="en-US" sz="1400" dirty="0"/>
+              <a:t>Extract: Sources of data (e.g., sales transactions, customer demographics).</a:t>
             </a:r>
           </a:p>
           <a:p>
@@ -8621,7 +8898,10 @@
               </a:spcAft>
               <a:buNone/>
             </a:pPr>
-            <a:endParaRPr lang="en-US" sz="5600" dirty="0"/>
+            <a:r>
+              <a:rPr lang="en-US" sz="1400" dirty="0"/>
+              <a:t>Transform: Data cleaning and shaping in Power Query.</a:t>
+            </a:r>
           </a:p>
           <a:p>
             <a:pPr marL="0" lvl="0" indent="0" algn="l" rtl="0">
@@ -8634,8 +8914,8 @@
               <a:buNone/>
             </a:pPr>
             <a:r>
-              <a:rPr lang="en-US" sz="5600" dirty="0"/>
-              <a:t>Also, in the ‘expenses’ column when the hist-plot graph was plotted, a skewed right distribution graph was obtained that showed that the number of counts of expenses decreased exponentially down as insurance premium increases from 10K-60K</a:t>
+              <a:rPr lang="en-US" sz="1400" dirty="0"/>
+              <a:t>Load: Loading transformed data into Power BI for analysis.</a:t>
             </a:r>
           </a:p>
           <a:p>
@@ -8648,21 +8928,9 @@
               </a:spcAft>
               <a:buNone/>
             </a:pPr>
-            <a:endParaRPr lang="en-US" sz="5600" dirty="0"/>
-          </a:p>
-          <a:p>
-            <a:pPr marL="0" lvl="0" indent="0" algn="l" rtl="0">
-              <a:spcBef>
-                <a:spcPts val="0"/>
-              </a:spcBef>
-              <a:spcAft>
-                <a:spcPts val="0"/>
-              </a:spcAft>
-              <a:buNone/>
-            </a:pPr>
-            <a:r>
-              <a:rPr lang="en-US" sz="5600" dirty="0"/>
-              <a:t>Pandas, NumPy, Matplotlib, and Seaborn libraries were predominantly used for visualization of the data</a:t>
+            <a:r>
+              <a:rPr lang="en-US" sz="1400" dirty="0"/>
+              <a:t>Slide 5: Data Sources and Description</a:t>
             </a:r>
           </a:p>
         </p:txBody>
@@ -8723,10 +8991,10 @@
               <a:buNone/>
             </a:pPr>
             <a:r>
-              <a:rPr lang="en-GB"/>
-              <a:t>DATA PREPROCESSING AND FEATURE ENGINEERING</a:t>
-            </a:r>
-            <a:endParaRPr/>
+              <a:rPr lang="en-GB" dirty="0"/>
+              <a:t>DATA MODELLING</a:t>
+            </a:r>
+            <a:endParaRPr dirty="0"/>
           </a:p>
         </p:txBody>
       </p:sp>
@@ -8926,6 +9194,10 @@
           </p:nvPr>
         </p:nvSpPr>
         <p:spPr>
+          <a:xfrm>
+            <a:off x="1442224" y="393750"/>
+            <a:ext cx="6894176" cy="914100"/>
+          </a:xfrm>
           <a:prstGeom prst="rect">
             <a:avLst/>
           </a:prstGeom>
@@ -8946,10 +9218,10 @@
               <a:buNone/>
             </a:pPr>
             <a:r>
-              <a:rPr lang="en-GB"/>
-              <a:t>MODEL SELECTION AND EVALUATION</a:t>
-            </a:r>
-            <a:endParaRPr/>
+              <a:rPr lang="en-GB" dirty="0"/>
+              <a:t> DATA VISUALIZATION</a:t>
+            </a:r>
+            <a:endParaRPr dirty="0"/>
           </a:p>
         </p:txBody>
       </p:sp>
@@ -9055,6 +9327,189 @@
 </file>
 
 <file path=ppt/slides/slide6.xml><?xml version="1.0" encoding="utf-8"?>
+<p:sld xmlns:a="http://schemas.openxmlformats.org/drawingml/2006/main" xmlns:r="http://schemas.openxmlformats.org/officeDocument/2006/relationships" xmlns:p="http://schemas.openxmlformats.org/presentationml/2006/main">
+  <p:cSld>
+    <p:spTree>
+      <p:nvGrpSpPr>
+        <p:cNvPr id="1" name="Shape 158">
+          <a:extLst>
+            <a:ext uri="{FF2B5EF4-FFF2-40B4-BE49-F238E27FC236}">
+              <a16:creationId xmlns:a16="http://schemas.microsoft.com/office/drawing/2014/main" id="{D57E17FA-810E-C203-48AD-FC19AFF91C56}"/>
+            </a:ext>
+          </a:extLst>
+        </p:cNvPr>
+        <p:cNvGrpSpPr/>
+        <p:nvPr/>
+      </p:nvGrpSpPr>
+      <p:grpSpPr>
+        <a:xfrm>
+          <a:off x="0" y="0"/>
+          <a:ext cx="0" cy="0"/>
+          <a:chOff x="0" y="0"/>
+          <a:chExt cx="0" cy="0"/>
+        </a:xfrm>
+      </p:grpSpPr>
+      <p:sp>
+        <p:nvSpPr>
+          <p:cNvPr id="159" name="Google Shape;159;p17">
+            <a:extLst>
+              <a:ext uri="{FF2B5EF4-FFF2-40B4-BE49-F238E27FC236}">
+                <a16:creationId xmlns:a16="http://schemas.microsoft.com/office/drawing/2014/main" id="{C57EAFFA-5E61-E599-8B4E-AE1A419F8E33}"/>
+              </a:ext>
+            </a:extLst>
+          </p:cNvPr>
+          <p:cNvSpPr txBox="1">
+            <a:spLocks noGrp="1"/>
+          </p:cNvSpPr>
+          <p:nvPr>
+            <p:ph type="title"/>
+          </p:nvPr>
+        </p:nvSpPr>
+        <p:spPr>
+          <a:xfrm>
+            <a:off x="1442224" y="393750"/>
+            <a:ext cx="6894176" cy="914100"/>
+          </a:xfrm>
+          <a:prstGeom prst="rect">
+            <a:avLst/>
+          </a:prstGeom>
+        </p:spPr>
+        <p:txBody>
+          <a:bodyPr spcFirstLastPara="1" wrap="square" lIns="91425" tIns="91425" rIns="91425" bIns="91425" anchor="t" anchorCtr="0">
+            <a:normAutofit/>
+          </a:bodyPr>
+          <a:lstStyle/>
+          <a:p>
+            <a:pPr marL="0" lvl="0" indent="0" algn="l" rtl="0">
+              <a:spcBef>
+                <a:spcPts val="0"/>
+              </a:spcBef>
+              <a:spcAft>
+                <a:spcPts val="0"/>
+              </a:spcAft>
+              <a:buNone/>
+            </a:pPr>
+            <a:r>
+              <a:rPr lang="en-GB" dirty="0"/>
+              <a:t> POWER BI REPORT GENERATION</a:t>
+            </a:r>
+            <a:endParaRPr dirty="0"/>
+          </a:p>
+        </p:txBody>
+      </p:sp>
+      <p:sp>
+        <p:nvSpPr>
+          <p:cNvPr id="160" name="Google Shape;160;p17">
+            <a:extLst>
+              <a:ext uri="{FF2B5EF4-FFF2-40B4-BE49-F238E27FC236}">
+                <a16:creationId xmlns:a16="http://schemas.microsoft.com/office/drawing/2014/main" id="{67990567-CC3E-7F28-824C-FCCE5A32E12D}"/>
+              </a:ext>
+            </a:extLst>
+          </p:cNvPr>
+          <p:cNvSpPr txBox="1">
+            <a:spLocks noGrp="1"/>
+          </p:cNvSpPr>
+          <p:nvPr>
+            <p:ph type="body" idx="1"/>
+          </p:nvPr>
+        </p:nvSpPr>
+        <p:spPr>
+          <a:xfrm>
+            <a:off x="1297500" y="1018700"/>
+            <a:ext cx="7280400" cy="3921900"/>
+          </a:xfrm>
+          <a:prstGeom prst="rect">
+            <a:avLst/>
+          </a:prstGeom>
+        </p:spPr>
+        <p:txBody>
+          <a:bodyPr spcFirstLastPara="1" wrap="square" lIns="91425" tIns="91425" rIns="91425" bIns="91425" anchor="t" anchorCtr="0">
+            <a:noAutofit/>
+          </a:bodyPr>
+          <a:lstStyle/>
+          <a:p>
+            <a:pPr marL="285750" indent="-285750"/>
+            <a:r>
+              <a:rPr lang="en-US" sz="1600" dirty="0" err="1"/>
+              <a:t>LinearRegression</a:t>
+            </a:r>
+            <a:r>
+              <a:rPr lang="en-US" sz="1600" dirty="0"/>
+              <a:t>, </a:t>
+            </a:r>
+            <a:r>
+              <a:rPr lang="en-US" sz="1600" dirty="0" err="1"/>
+              <a:t>RandomForestRegressor</a:t>
+            </a:r>
+            <a:r>
+              <a:rPr lang="en-US" sz="1600" dirty="0"/>
+              <a:t>, </a:t>
+            </a:r>
+            <a:r>
+              <a:rPr lang="en-US" sz="1600" dirty="0" err="1"/>
+              <a:t>GradientBoostingRegressor</a:t>
+            </a:r>
+            <a:r>
+              <a:rPr lang="en-US" sz="1600" dirty="0"/>
+              <a:t>, </a:t>
+            </a:r>
+            <a:r>
+              <a:rPr lang="en-US" sz="1600" dirty="0" err="1"/>
+              <a:t>DecisionTreeRegressor</a:t>
+            </a:r>
+            <a:r>
+              <a:rPr lang="en-US" sz="1600" dirty="0"/>
+              <a:t>, SVR, </a:t>
+            </a:r>
+            <a:r>
+              <a:rPr lang="en-US" sz="1600" dirty="0" err="1"/>
+              <a:t>AdaBoostRegressor</a:t>
+            </a:r>
+            <a:r>
+              <a:rPr lang="en-US" sz="1600" dirty="0"/>
+              <a:t> algorithms were used to train the model. </a:t>
+            </a:r>
+          </a:p>
+          <a:p>
+            <a:pPr marL="0" indent="0">
+              <a:buNone/>
+            </a:pPr>
+            <a:endParaRPr lang="en-US" sz="1600" dirty="0"/>
+          </a:p>
+          <a:p>
+            <a:pPr marL="285750" indent="-285750"/>
+            <a:r>
+              <a:rPr lang="en-US" sz="1600" dirty="0"/>
+              <a:t>The regression problem used evaluation metrics to compare different models performance and to select the best model based on accuracy score and difference in train test accuracy in  which Gradient boosting algorithm was selected with r2 score of 88% after tuning the parameters</a:t>
+            </a:r>
+          </a:p>
+          <a:p>
+            <a:pPr marL="285750" indent="-285750"/>
+            <a:endParaRPr lang="en-US" sz="1600" dirty="0"/>
+          </a:p>
+          <a:p>
+            <a:pPr marL="285750" indent="-285750"/>
+            <a:r>
+              <a:rPr lang="en-US" sz="1600" dirty="0"/>
+              <a:t>The evaluation was performed in order to compare the performance of model with already existing model in production and if the trained model performance exceeds that in production, then the trained model is pushed to production.</a:t>
+            </a:r>
+          </a:p>
+        </p:txBody>
+      </p:sp>
+    </p:spTree>
+    <p:extLst>
+      <p:ext uri="{BB962C8B-B14F-4D97-AF65-F5344CB8AC3E}">
+        <p14:creationId xmlns:p14="http://schemas.microsoft.com/office/powerpoint/2010/main" val="2488199142"/>
+      </p:ext>
+    </p:extLst>
+  </p:cSld>
+  <p:clrMapOvr>
+    <a:masterClrMapping/>
+  </p:clrMapOvr>
+</p:sld>
+</file>
+
+<file path=ppt/slides/slide7.xml><?xml version="1.0" encoding="utf-8"?>
 <p:sld xmlns:a="http://schemas.openxmlformats.org/drawingml/2006/main" xmlns:r="http://schemas.openxmlformats.org/officeDocument/2006/relationships" xmlns:p="http://schemas.openxmlformats.org/presentationml/2006/main">
   <p:cSld>
     <p:spTree>
@@ -9102,10 +9557,10 @@
               <a:buNone/>
             </a:pPr>
             <a:r>
-              <a:rPr lang="en-GB"/>
-              <a:t>INCREASING PREDICTION POWER</a:t>
-            </a:r>
-            <a:endParaRPr/>
+              <a:rPr lang="en-GB" dirty="0"/>
+              <a:t>POWER BI SERVICE</a:t>
+            </a:r>
+            <a:endParaRPr dirty="0"/>
           </a:p>
         </p:txBody>
       </p:sp>
@@ -9350,7 +9805,7 @@
 </p:sld>
 </file>
 
-<file path=ppt/slides/slide7.xml><?xml version="1.0" encoding="utf-8"?>
+<file path=ppt/slides/slide8.xml><?xml version="1.0" encoding="utf-8"?>
 <p:sld xmlns:a="http://schemas.openxmlformats.org/drawingml/2006/main" xmlns:r="http://schemas.openxmlformats.org/officeDocument/2006/relationships" xmlns:p="http://schemas.openxmlformats.org/presentationml/2006/main">
   <p:cSld>
     <p:spTree>
@@ -9398,10 +9853,10 @@
               <a:buNone/>
             </a:pPr>
             <a:r>
-              <a:rPr lang="en-GB"/>
-              <a:t>INCREASING MODEL SPEED</a:t>
-            </a:r>
-            <a:endParaRPr/>
+              <a:rPr lang="en-GB" dirty="0"/>
+              <a:t> POWER BI DASHBOARD CREATION </a:t>
+            </a:r>
+            <a:endParaRPr dirty="0"/>
           </a:p>
         </p:txBody>
       </p:sp>
@@ -9512,7 +9967,7 @@
 </p:sld>
 </file>
 
-<file path=ppt/slides/slide8.xml><?xml version="1.0" encoding="utf-8"?>
+<file path=ppt/slides/slide9.xml><?xml version="1.0" encoding="utf-8"?>
 <p:sld xmlns:a="http://schemas.openxmlformats.org/drawingml/2006/main" xmlns:r="http://schemas.openxmlformats.org/officeDocument/2006/relationships" xmlns:p="http://schemas.openxmlformats.org/presentationml/2006/main">
   <p:cSld>
     <p:spTree>
@@ -9618,75 +10073,20 @@
             </a:pPr>
             <a:r>
               <a:rPr lang="en-US" sz="1400" dirty="0"/>
-              <a:t>In conclusion, the web application built using Flask can be deployed on any cloud platform and hence accessible all around the world. With a user-friendly user-interface, the clients can easily do an estimation on much health insurance premium expenses they are going to incur based on their input data such as age, gender, smoker, region etc.</a:t>
-            </a:r>
-          </a:p>
-        </p:txBody>
-      </p:sp>
-    </p:spTree>
-  </p:cSld>
-  <p:clrMapOvr>
-    <a:masterClrMapping/>
-  </p:clrMapOvr>
-</p:sld>
-</file>
-
-<file path=ppt/slides/slide9.xml><?xml version="1.0" encoding="utf-8"?>
-<p:sld xmlns:a="http://schemas.openxmlformats.org/drawingml/2006/main" xmlns:r="http://schemas.openxmlformats.org/officeDocument/2006/relationships" xmlns:p="http://schemas.openxmlformats.org/presentationml/2006/main">
-  <p:cSld>
-    <p:spTree>
-      <p:nvGrpSpPr>
-        <p:cNvPr id="1" name="Shape 182"/>
-        <p:cNvGrpSpPr/>
-        <p:nvPr/>
-      </p:nvGrpSpPr>
-      <p:grpSpPr>
-        <a:xfrm>
-          <a:off x="0" y="0"/>
-          <a:ext cx="0" cy="0"/>
-          <a:chOff x="0" y="0"/>
-          <a:chExt cx="0" cy="0"/>
-        </a:xfrm>
-      </p:grpSpPr>
-      <p:sp>
-        <p:nvSpPr>
-          <p:cNvPr id="183" name="Google Shape;183;p21"/>
-          <p:cNvSpPr txBox="1">
-            <a:spLocks noGrp="1"/>
-          </p:cNvSpPr>
-          <p:nvPr>
-            <p:ph type="title"/>
-          </p:nvPr>
-        </p:nvSpPr>
-        <p:spPr>
-          <a:xfrm>
-            <a:off x="3634350" y="2114700"/>
-            <a:ext cx="2119178" cy="914100"/>
-          </a:xfrm>
-          <a:prstGeom prst="rect">
-            <a:avLst/>
-          </a:prstGeom>
-        </p:spPr>
-        <p:txBody>
-          <a:bodyPr spcFirstLastPara="1" wrap="square" lIns="91425" tIns="91425" rIns="91425" bIns="91425" anchor="t" anchorCtr="0">
-            <a:normAutofit/>
-          </a:bodyPr>
-          <a:lstStyle/>
-          <a:p>
-            <a:pPr marL="0" lvl="0" indent="0" algn="l" rtl="0">
-              <a:spcBef>
-                <a:spcPts val="0"/>
-              </a:spcBef>
-              <a:spcAft>
-                <a:spcPts val="0"/>
-              </a:spcAft>
-              <a:buNone/>
-            </a:pPr>
-            <a:r>
-              <a:rPr lang="en-GB"/>
-              <a:t>THANK YOU</a:t>
-            </a:r>
-            <a:endParaRPr dirty="0"/>
+              <a:t>In conclusion, the data analysis of amazon sales was done on 3 different levels –sales key insights, food sales insights and food sales market. </a:t>
+            </a:r>
+            <a:r>
+              <a:rPr lang="en-IN" sz="1400" dirty="0"/>
+              <a:t>Extract-Transform-Load has been done and se</a:t>
+            </a:r>
+            <a:r>
+              <a:rPr lang="en-US" sz="1400" dirty="0" err="1"/>
+              <a:t>veral</a:t>
+            </a:r>
+            <a:r>
+              <a:rPr lang="en-US" sz="1400" dirty="0"/>
+              <a:t> key metrics, factors ,attributes and relationships have been generated using data modelling and data visualization in power bi desktop. The developed report was published to power bi service and corresponding dashboard was created</a:t>
+            </a:r>
           </a:p>
         </p:txBody>
       </p:sp>
